--- a/TableauDataVisualization.pptx
+++ b/TableauDataVisualization.pptx
@@ -126,6 +126,11 @@
       </a:defRPr>
     </a:lvl9pPr>
   </p:defaultTextStyle>
+  <p:extLst>
+    <p:ext uri="{EFAFB233-063F-42B5-8137-9DF3F51BA10A}">
+      <p15:sldGuideLst xmlns:p15="http://schemas.microsoft.com/office/powerpoint/2012/main"/>
+    </p:ext>
+  </p:extLst>
 </p:presentation>
 </file>
 
@@ -5867,7 +5872,7 @@
         </p:blipFill>
         <p:spPr>
           <a:xfrm>
-            <a:off x="1135568" y="885825"/>
+            <a:off x="506918" y="845179"/>
             <a:ext cx="3055432" cy="5839702"/>
           </a:xfrm>
           <a:prstGeom prst="rect">
@@ -5877,7 +5882,7 @@
       </p:pic>
       <p:pic>
         <p:nvPicPr>
-          <p:cNvPr id="6" name="Picture 5"/>
+          <p:cNvPr id="2" name="Picture 1"/>
           <p:cNvPicPr>
             <a:picLocks noChangeAspect="1"/>
           </p:cNvPicPr>
@@ -5891,8 +5896,8 @@
         </p:blipFill>
         <p:spPr>
           <a:xfrm>
-            <a:off x="5143500" y="1815060"/>
-            <a:ext cx="6822464" cy="3899940"/>
+            <a:off x="4478704" y="983877"/>
+            <a:ext cx="7382156" cy="5701004"/>
           </a:xfrm>
           <a:prstGeom prst="rect">
             <a:avLst/>
